--- a/pdf_ppt/2.OpenCV/Open_cv_06_필터링.pptx
+++ b/pdf_ppt/2.OpenCV/Open_cv_06_필터링.pptx
@@ -5,16 +5,23 @@
     <p:sldMasterId id="2147483942" r:id="rId1"/>
   </p:sldMasterIdLst>
   <p:notesMasterIdLst>
-    <p:notesMasterId r:id="rId6"/>
+    <p:notesMasterId r:id="rId13"/>
   </p:notesMasterIdLst>
   <p:handoutMasterIdLst>
-    <p:handoutMasterId r:id="rId7"/>
+    <p:handoutMasterId r:id="rId14"/>
   </p:handoutMasterIdLst>
   <p:sldIdLst>
     <p:sldId id="256" r:id="rId2"/>
     <p:sldId id="288" r:id="rId3"/>
     <p:sldId id="289" r:id="rId4"/>
     <p:sldId id="290" r:id="rId5"/>
+    <p:sldId id="291" r:id="rId6"/>
+    <p:sldId id="292" r:id="rId7"/>
+    <p:sldId id="293" r:id="rId8"/>
+    <p:sldId id="296" r:id="rId9"/>
+    <p:sldId id="294" r:id="rId10"/>
+    <p:sldId id="295" r:id="rId11"/>
+    <p:sldId id="297" r:id="rId12"/>
   </p:sldIdLst>
   <p:sldSz cx="9144000" cy="6858000" type="screen4x3"/>
   <p:notesSz cx="6858000" cy="9144000"/>
@@ -228,7 +235,7 @@
           <a:p>
             <a:fld id="{44C269C3-C25E-41E8-815A-55A10694EC72}" type="datetimeFigureOut">
               <a:rPr lang="ko-KR" altLang="en-US" smtClean="0"/>
-              <a:t>2023-06-27</a:t>
+              <a:t>2023-06-28</a:t>
             </a:fld>
             <a:endParaRPr lang="ko-KR" altLang="en-US"/>
           </a:p>
@@ -393,7 +400,7 @@
           <a:p>
             <a:fld id="{ADE0290A-1521-4E2C-B981-7952210E2E19}" type="datetimeFigureOut">
               <a:rPr lang="ko-KR" altLang="en-US" smtClean="0"/>
-              <a:t>2023-06-27</a:t>
+              <a:t>2023-06-28</a:t>
             </a:fld>
             <a:endParaRPr lang="ko-KR" altLang="en-US"/>
           </a:p>
@@ -1653,7 +1660,7 @@
             <a:fld id="{23A271A1-F6D6-438B-A432-4747EE7ECD40}" type="datetimeFigureOut">
               <a:rPr lang="en-US" smtClean="0"/>
               <a:pPr eaLnBrk="1" latinLnBrk="0" hangingPunct="1"/>
-              <a:t>6/27/2023</a:t>
+              <a:t>6/28/2023</a:t>
             </a:fld>
             <a:endParaRPr lang="en-US"/>
           </a:p>
@@ -2752,6 +2759,170 @@
 </p:sld>
 </file>
 
+<file path=ppt/slides/slide10.xml><?xml version="1.0" encoding="utf-8"?>
+<p:sld xmlns:a="http://schemas.openxmlformats.org/drawingml/2006/main" xmlns:r="http://schemas.openxmlformats.org/officeDocument/2006/relationships" xmlns:p="http://schemas.openxmlformats.org/presentationml/2006/main">
+  <p:cSld>
+    <p:spTree>
+      <p:nvGrpSpPr>
+        <p:cNvPr id="1" name=""/>
+        <p:cNvGrpSpPr/>
+        <p:nvPr/>
+      </p:nvGrpSpPr>
+      <p:grpSpPr>
+        <a:xfrm>
+          <a:off x="0" y="0"/>
+          <a:ext cx="0" cy="0"/>
+          <a:chOff x="0" y="0"/>
+          <a:chExt cx="0" cy="0"/>
+        </a:xfrm>
+      </p:grpSpPr>
+      <p:sp>
+        <p:nvSpPr>
+          <p:cNvPr id="2" name="제목 1"/>
+          <p:cNvSpPr>
+            <a:spLocks noGrp="1"/>
+          </p:cNvSpPr>
+          <p:nvPr>
+            <p:ph type="title"/>
+          </p:nvPr>
+        </p:nvSpPr>
+        <p:spPr/>
+        <p:txBody>
+          <a:bodyPr/>
+          <a:lstStyle/>
+          <a:p>
+            <a:r>
+              <a:rPr lang="en-US" altLang="ko-KR" dirty="0" smtClean="0"/>
+              <a:t>6.4 </a:t>
+            </a:r>
+            <a:r>
+              <a:rPr lang="ko-KR" altLang="en-US" dirty="0" err="1" smtClean="0"/>
+              <a:t>모폴로지</a:t>
+            </a:r>
+            <a:r>
+              <a:rPr lang="ko-KR" altLang="en-US" dirty="0" smtClean="0"/>
+              <a:t> 연산</a:t>
+            </a:r>
+            <a:endParaRPr lang="ko-KR" altLang="en-US" dirty="0"/>
+          </a:p>
+        </p:txBody>
+      </p:sp>
+      <p:sp>
+        <p:nvSpPr>
+          <p:cNvPr id="3" name="내용 개체 틀 2"/>
+          <p:cNvSpPr>
+            <a:spLocks noGrp="1"/>
+          </p:cNvSpPr>
+          <p:nvPr>
+            <p:ph idx="1"/>
+          </p:nvPr>
+        </p:nvSpPr>
+        <p:spPr/>
+        <p:txBody>
+          <a:bodyPr/>
+          <a:lstStyle/>
+          <a:p>
+            <a:r>
+              <a:rPr lang="ko-KR" altLang="en-US" dirty="0" smtClean="0"/>
+              <a:t>생략</a:t>
+            </a:r>
+            <a:endParaRPr lang="ko-KR" altLang="en-US" dirty="0"/>
+          </a:p>
+        </p:txBody>
+      </p:sp>
+    </p:spTree>
+    <p:extLst>
+      <p:ext uri="{BB962C8B-B14F-4D97-AF65-F5344CB8AC3E}">
+        <p14:creationId xmlns:p14="http://schemas.microsoft.com/office/powerpoint/2010/main" val="267702319"/>
+      </p:ext>
+    </p:extLst>
+  </p:cSld>
+  <p:clrMapOvr>
+    <a:masterClrMapping/>
+  </p:clrMapOvr>
+</p:sld>
+</file>
+
+<file path=ppt/slides/slide11.xml><?xml version="1.0" encoding="utf-8"?>
+<p:sld xmlns:a="http://schemas.openxmlformats.org/drawingml/2006/main" xmlns:r="http://schemas.openxmlformats.org/officeDocument/2006/relationships" xmlns:p="http://schemas.openxmlformats.org/presentationml/2006/main">
+  <p:cSld>
+    <p:spTree>
+      <p:nvGrpSpPr>
+        <p:cNvPr id="1" name=""/>
+        <p:cNvGrpSpPr/>
+        <p:nvPr/>
+      </p:nvGrpSpPr>
+      <p:grpSpPr>
+        <a:xfrm>
+          <a:off x="0" y="0"/>
+          <a:ext cx="0" cy="0"/>
+          <a:chOff x="0" y="0"/>
+          <a:chExt cx="0" cy="0"/>
+        </a:xfrm>
+      </p:grpSpPr>
+      <p:sp>
+        <p:nvSpPr>
+          <p:cNvPr id="2" name="제목 1"/>
+          <p:cNvSpPr>
+            <a:spLocks noGrp="1"/>
+          </p:cNvSpPr>
+          <p:nvPr>
+            <p:ph type="title"/>
+          </p:nvPr>
+        </p:nvSpPr>
+        <p:spPr/>
+        <p:txBody>
+          <a:bodyPr/>
+          <a:lstStyle/>
+          <a:p>
+            <a:r>
+              <a:rPr lang="en-US" altLang="ko-KR" dirty="0" smtClean="0"/>
+              <a:t>6.5 </a:t>
+            </a:r>
+            <a:r>
+              <a:rPr lang="ko-KR" altLang="en-US" dirty="0" smtClean="0"/>
+              <a:t>템플릿 매칭</a:t>
+            </a:r>
+            <a:endParaRPr lang="ko-KR" altLang="en-US" dirty="0"/>
+          </a:p>
+        </p:txBody>
+      </p:sp>
+      <p:sp>
+        <p:nvSpPr>
+          <p:cNvPr id="3" name="내용 개체 틀 2"/>
+          <p:cNvSpPr>
+            <a:spLocks noGrp="1"/>
+          </p:cNvSpPr>
+          <p:nvPr>
+            <p:ph idx="1"/>
+          </p:nvPr>
+        </p:nvSpPr>
+        <p:spPr/>
+        <p:txBody>
+          <a:bodyPr/>
+          <a:lstStyle/>
+          <a:p>
+            <a:r>
+              <a:rPr lang="ko-KR" altLang="en-US" dirty="0" smtClean="0"/>
+              <a:t>생략</a:t>
+            </a:r>
+            <a:endParaRPr lang="ko-KR" altLang="en-US" dirty="0"/>
+          </a:p>
+        </p:txBody>
+      </p:sp>
+    </p:spTree>
+    <p:extLst>
+      <p:ext uri="{BB962C8B-B14F-4D97-AF65-F5344CB8AC3E}">
+        <p14:creationId xmlns:p14="http://schemas.microsoft.com/office/powerpoint/2010/main" val="1247420802"/>
+      </p:ext>
+    </p:extLst>
+  </p:cSld>
+  <p:clrMapOvr>
+    <a:masterClrMapping/>
+  </p:clrMapOvr>
+</p:sld>
+</file>
+
 <file path=ppt/slides/slide2.xml><?xml version="1.0" encoding="utf-8"?>
 <p:sld xmlns:a="http://schemas.openxmlformats.org/drawingml/2006/main" xmlns:r="http://schemas.openxmlformats.org/officeDocument/2006/relationships" xmlns:p="http://schemas.openxmlformats.org/presentationml/2006/main">
   <p:cSld>
@@ -3363,6 +3534,2203 @@
     <p:extLst>
       <p:ext uri="{BB962C8B-B14F-4D97-AF65-F5344CB8AC3E}">
         <p14:creationId xmlns:p14="http://schemas.microsoft.com/office/powerpoint/2010/main" val="3053910174"/>
+      </p:ext>
+    </p:extLst>
+  </p:cSld>
+  <p:clrMapOvr>
+    <a:masterClrMapping/>
+  </p:clrMapOvr>
+</p:sld>
+</file>
+
+<file path=ppt/slides/slide5.xml><?xml version="1.0" encoding="utf-8"?>
+<p:sld xmlns:a="http://schemas.openxmlformats.org/drawingml/2006/main" xmlns:r="http://schemas.openxmlformats.org/officeDocument/2006/relationships" xmlns:p="http://schemas.openxmlformats.org/presentationml/2006/main">
+  <p:cSld>
+    <p:spTree>
+      <p:nvGrpSpPr>
+        <p:cNvPr id="1" name=""/>
+        <p:cNvGrpSpPr/>
+        <p:nvPr/>
+      </p:nvGrpSpPr>
+      <p:grpSpPr>
+        <a:xfrm>
+          <a:off x="0" y="0"/>
+          <a:ext cx="0" cy="0"/>
+          <a:chOff x="0" y="0"/>
+          <a:chExt cx="0" cy="0"/>
+        </a:xfrm>
+      </p:grpSpPr>
+      <p:sp>
+        <p:nvSpPr>
+          <p:cNvPr id="2" name="제목 1"/>
+          <p:cNvSpPr>
+            <a:spLocks noGrp="1"/>
+          </p:cNvSpPr>
+          <p:nvPr>
+            <p:ph type="title"/>
+          </p:nvPr>
+        </p:nvSpPr>
+        <p:spPr/>
+        <p:txBody>
+          <a:bodyPr/>
+          <a:lstStyle/>
+          <a:p>
+            <a:r>
+              <a:rPr lang="en-US" altLang="ko-KR" dirty="0" smtClean="0"/>
+              <a:t>6.2 </a:t>
+            </a:r>
+            <a:r>
+              <a:rPr lang="ko-KR" altLang="en-US" dirty="0" err="1" smtClean="0"/>
+              <a:t>미분필터</a:t>
+            </a:r>
+            <a:r>
+              <a:rPr lang="ko-KR" altLang="en-US" dirty="0" smtClean="0"/>
+              <a:t> </a:t>
+            </a:r>
+            <a:endParaRPr lang="ko-KR" altLang="en-US" dirty="0"/>
+          </a:p>
+        </p:txBody>
+      </p:sp>
+      <p:sp>
+        <p:nvSpPr>
+          <p:cNvPr id="3" name="내용 개체 틀 2"/>
+          <p:cNvSpPr>
+            <a:spLocks noGrp="1"/>
+          </p:cNvSpPr>
+          <p:nvPr>
+            <p:ph idx="1"/>
+          </p:nvPr>
+        </p:nvSpPr>
+        <p:spPr/>
+        <p:txBody>
+          <a:bodyPr/>
+          <a:lstStyle/>
+          <a:p>
+            <a:r>
+              <a:rPr lang="ko-KR" altLang="en-US" dirty="0" smtClean="0"/>
+              <a:t>공간 영역의 개념과 회선 </a:t>
+            </a:r>
+            <a:endParaRPr lang="ko-KR" altLang="en-US" dirty="0"/>
+          </a:p>
+        </p:txBody>
+      </p:sp>
+      <p:pic>
+        <p:nvPicPr>
+          <p:cNvPr id="4" name="Picture 2"/>
+          <p:cNvPicPr>
+            <a:picLocks noChangeAspect="1" noChangeArrowheads="1"/>
+          </p:cNvPicPr>
+          <p:nvPr/>
+        </p:nvPicPr>
+        <p:blipFill>
+          <a:blip r:embed="rId2">
+            <a:extLst>
+              <a:ext uri="{28A0092B-C50C-407E-A947-70E740481C1C}">
+                <a14:useLocalDpi xmlns:a14="http://schemas.microsoft.com/office/drawing/2010/main" val="0"/>
+              </a:ext>
+            </a:extLst>
+          </a:blip>
+          <a:srcRect/>
+          <a:stretch>
+            <a:fillRect/>
+          </a:stretch>
+        </p:blipFill>
+        <p:spPr bwMode="auto">
+          <a:xfrm>
+            <a:off x="971600" y="1556792"/>
+            <a:ext cx="7473009" cy="4872604"/>
+          </a:xfrm>
+          <a:prstGeom prst="rect">
+            <a:avLst/>
+          </a:prstGeom>
+          <a:noFill/>
+          <a:ln>
+            <a:noFill/>
+          </a:ln>
+          <a:extLst>
+            <a:ext uri="{909E8E84-426E-40DD-AFC4-6F175D3DCCD1}">
+              <a14:hiddenFill xmlns:a14="http://schemas.microsoft.com/office/drawing/2010/main">
+                <a:solidFill>
+                  <a:schemeClr val="accent1"/>
+                </a:solidFill>
+              </a14:hiddenFill>
+            </a:ext>
+            <a:ext uri="{91240B29-F687-4F45-9708-019B960494DF}">
+              <a14:hiddenLine xmlns:a14="http://schemas.microsoft.com/office/drawing/2010/main" w="9525">
+                <a:solidFill>
+                  <a:schemeClr val="tx1"/>
+                </a:solidFill>
+                <a:miter lim="800000"/>
+                <a:headEnd/>
+                <a:tailEnd/>
+              </a14:hiddenLine>
+            </a:ext>
+          </a:extLst>
+        </p:spPr>
+      </p:pic>
+      <p:sp>
+        <p:nvSpPr>
+          <p:cNvPr id="5" name="모서리가 둥근 사각형 설명선 4"/>
+          <p:cNvSpPr/>
+          <p:nvPr/>
+        </p:nvSpPr>
+        <p:spPr>
+          <a:xfrm>
+            <a:off x="3563888" y="1484784"/>
+            <a:ext cx="1020246" cy="260678"/>
+          </a:xfrm>
+          <a:prstGeom prst="wedgeRoundRectCallout">
+            <a:avLst>
+              <a:gd name="adj1" fmla="val -112422"/>
+              <a:gd name="adj2" fmla="val 252158"/>
+              <a:gd name="adj3" fmla="val 16667"/>
+            </a:avLst>
+          </a:prstGeom>
+        </p:spPr>
+        <p:style>
+          <a:lnRef idx="1">
+            <a:schemeClr val="accent4"/>
+          </a:lnRef>
+          <a:fillRef idx="2">
+            <a:schemeClr val="accent4"/>
+          </a:fillRef>
+          <a:effectRef idx="1">
+            <a:schemeClr val="accent4"/>
+          </a:effectRef>
+          <a:fontRef idx="minor">
+            <a:schemeClr val="dk1"/>
+          </a:fontRef>
+        </p:style>
+        <p:txBody>
+          <a:bodyPr lIns="36000" rIns="36000" rtlCol="0" anchor="ctr"/>
+          <a:lstStyle/>
+          <a:p>
+            <a:pPr algn="ctr" fontAlgn="base"/>
+            <a:r>
+              <a:rPr lang="ko-KR" altLang="en-US" sz="1500" dirty="0" err="1" smtClean="0">
+                <a:solidFill>
+                  <a:schemeClr val="accent4">
+                    <a:lumMod val="50000"/>
+                  </a:schemeClr>
+                </a:solidFill>
+                <a:latin typeface="Times New Roman" panose="02020603050405020304" pitchFamily="18" charset="0"/>
+                <a:cs typeface="Times New Roman" panose="02020603050405020304" pitchFamily="18" charset="0"/>
+              </a:rPr>
+              <a:t>중심화소</a:t>
+            </a:r>
+            <a:endParaRPr lang="en-US" altLang="ko-KR" sz="1500" dirty="0">
+              <a:solidFill>
+                <a:schemeClr val="accent4">
+                  <a:lumMod val="50000"/>
+                </a:schemeClr>
+              </a:solidFill>
+              <a:latin typeface="Times New Roman" panose="02020603050405020304" pitchFamily="18" charset="0"/>
+              <a:cs typeface="Times New Roman" panose="02020603050405020304" pitchFamily="18" charset="0"/>
+            </a:endParaRPr>
+          </a:p>
+        </p:txBody>
+      </p:sp>
+      <p:sp>
+        <p:nvSpPr>
+          <p:cNvPr id="6" name="모서리가 둥근 사각형 설명선 5"/>
+          <p:cNvSpPr/>
+          <p:nvPr/>
+        </p:nvSpPr>
+        <p:spPr>
+          <a:xfrm>
+            <a:off x="3412" y="2276872"/>
+            <a:ext cx="1493743" cy="1220995"/>
+          </a:xfrm>
+          <a:prstGeom prst="wedgeRoundRectCallout">
+            <a:avLst>
+              <a:gd name="adj1" fmla="val 104775"/>
+              <a:gd name="adj2" fmla="val 37487"/>
+              <a:gd name="adj3" fmla="val 16667"/>
+            </a:avLst>
+          </a:prstGeom>
+        </p:spPr>
+        <p:style>
+          <a:lnRef idx="1">
+            <a:schemeClr val="accent4"/>
+          </a:lnRef>
+          <a:fillRef idx="2">
+            <a:schemeClr val="accent4"/>
+          </a:fillRef>
+          <a:effectRef idx="1">
+            <a:schemeClr val="accent4"/>
+          </a:effectRef>
+          <a:fontRef idx="minor">
+            <a:schemeClr val="dk1"/>
+          </a:fontRef>
+        </p:style>
+        <p:txBody>
+          <a:bodyPr lIns="36000" rIns="36000" rtlCol="0" anchor="ctr"/>
+          <a:lstStyle/>
+          <a:p>
+            <a:pPr algn="ctr" fontAlgn="base"/>
+            <a:r>
+              <a:rPr lang="en-US" altLang="ko-KR" sz="1500" dirty="0" smtClean="0">
+                <a:solidFill>
+                  <a:schemeClr val="accent4">
+                    <a:lumMod val="50000"/>
+                  </a:schemeClr>
+                </a:solidFill>
+                <a:latin typeface="Times New Roman" panose="02020603050405020304" pitchFamily="18" charset="0"/>
+                <a:cs typeface="Times New Roman" panose="02020603050405020304" pitchFamily="18" charset="0"/>
+              </a:rPr>
+              <a:t>3x3 </a:t>
+            </a:r>
+            <a:r>
+              <a:rPr lang="ko-KR" altLang="en-US" sz="1500" dirty="0" smtClean="0">
+                <a:solidFill>
+                  <a:schemeClr val="accent4">
+                    <a:lumMod val="50000"/>
+                  </a:schemeClr>
+                </a:solidFill>
+                <a:latin typeface="Times New Roman" panose="02020603050405020304" pitchFamily="18" charset="0"/>
+                <a:cs typeface="Times New Roman" panose="02020603050405020304" pitchFamily="18" charset="0"/>
+              </a:rPr>
+              <a:t>크기 마스크 </a:t>
+            </a:r>
+            <a:r>
+              <a:rPr lang="en-US" altLang="ko-KR" sz="1500" dirty="0" smtClean="0">
+                <a:solidFill>
+                  <a:schemeClr val="accent4">
+                    <a:lumMod val="50000"/>
+                  </a:schemeClr>
+                </a:solidFill>
+                <a:latin typeface="Times New Roman" panose="02020603050405020304" pitchFamily="18" charset="0"/>
+                <a:cs typeface="Times New Roman" panose="02020603050405020304" pitchFamily="18" charset="0"/>
+              </a:rPr>
+              <a:t>-</a:t>
+            </a:r>
+          </a:p>
+          <a:p>
+            <a:pPr algn="ctr" fontAlgn="base"/>
+            <a:r>
+              <a:rPr lang="ko-KR" altLang="en-US" sz="1500" dirty="0" smtClean="0">
+                <a:solidFill>
+                  <a:schemeClr val="accent4">
+                    <a:lumMod val="50000"/>
+                  </a:schemeClr>
+                </a:solidFill>
+                <a:latin typeface="Times New Roman" panose="02020603050405020304" pitchFamily="18" charset="0"/>
+                <a:cs typeface="Times New Roman" panose="02020603050405020304" pitchFamily="18" charset="0"/>
+              </a:rPr>
+              <a:t>계수의 비율에 따라 출력 </a:t>
+            </a:r>
+            <a:r>
+              <a:rPr lang="ko-KR" altLang="en-US" sz="1500" dirty="0" err="1" smtClean="0">
+                <a:solidFill>
+                  <a:schemeClr val="accent4">
+                    <a:lumMod val="50000"/>
+                  </a:schemeClr>
+                </a:solidFill>
+                <a:latin typeface="Times New Roman" panose="02020603050405020304" pitchFamily="18" charset="0"/>
+                <a:cs typeface="Times New Roman" panose="02020603050405020304" pitchFamily="18" charset="0"/>
+              </a:rPr>
+              <a:t>화소</a:t>
+            </a:r>
+            <a:r>
+              <a:rPr lang="ko-KR" altLang="en-US" sz="1500" dirty="0" smtClean="0">
+                <a:solidFill>
+                  <a:schemeClr val="accent4">
+                    <a:lumMod val="50000"/>
+                  </a:schemeClr>
+                </a:solidFill>
+                <a:latin typeface="Times New Roman" panose="02020603050405020304" pitchFamily="18" charset="0"/>
+                <a:cs typeface="Times New Roman" panose="02020603050405020304" pitchFamily="18" charset="0"/>
+              </a:rPr>
+              <a:t> </a:t>
+            </a:r>
+            <a:r>
+              <a:rPr lang="ko-KR" altLang="en-US" sz="1500" dirty="0" err="1" smtClean="0">
+                <a:solidFill>
+                  <a:schemeClr val="accent4">
+                    <a:lumMod val="50000"/>
+                  </a:schemeClr>
+                </a:solidFill>
+                <a:latin typeface="Times New Roman" panose="02020603050405020304" pitchFamily="18" charset="0"/>
+                <a:cs typeface="Times New Roman" panose="02020603050405020304" pitchFamily="18" charset="0"/>
+              </a:rPr>
+              <a:t>다랄짐</a:t>
+            </a:r>
+            <a:endParaRPr lang="en-US" altLang="ko-KR" sz="1500" dirty="0">
+              <a:solidFill>
+                <a:schemeClr val="accent4">
+                  <a:lumMod val="50000"/>
+                </a:schemeClr>
+              </a:solidFill>
+              <a:latin typeface="Times New Roman" panose="02020603050405020304" pitchFamily="18" charset="0"/>
+              <a:cs typeface="Times New Roman" panose="02020603050405020304" pitchFamily="18" charset="0"/>
+            </a:endParaRPr>
+          </a:p>
+        </p:txBody>
+      </p:sp>
+      <p:sp>
+        <p:nvSpPr>
+          <p:cNvPr id="7" name="모서리가 둥근 사각형 설명선 6"/>
+          <p:cNvSpPr/>
+          <p:nvPr/>
+        </p:nvSpPr>
+        <p:spPr>
+          <a:xfrm>
+            <a:off x="107504" y="5589240"/>
+            <a:ext cx="1020246" cy="404694"/>
+          </a:xfrm>
+          <a:prstGeom prst="wedgeRoundRectCallout">
+            <a:avLst>
+              <a:gd name="adj1" fmla="val 155708"/>
+              <a:gd name="adj2" fmla="val -37810"/>
+              <a:gd name="adj3" fmla="val 16667"/>
+            </a:avLst>
+          </a:prstGeom>
+        </p:spPr>
+        <p:style>
+          <a:lnRef idx="1">
+            <a:schemeClr val="accent4"/>
+          </a:lnRef>
+          <a:fillRef idx="2">
+            <a:schemeClr val="accent4"/>
+          </a:fillRef>
+          <a:effectRef idx="1">
+            <a:schemeClr val="accent4"/>
+          </a:effectRef>
+          <a:fontRef idx="minor">
+            <a:schemeClr val="dk1"/>
+          </a:fontRef>
+        </p:style>
+        <p:txBody>
+          <a:bodyPr lIns="36000" rIns="36000" rtlCol="0" anchor="ctr"/>
+          <a:lstStyle/>
+          <a:p>
+            <a:pPr algn="ctr" fontAlgn="base"/>
+            <a:r>
+              <a:rPr lang="ko-KR" altLang="en-US" sz="1500" dirty="0" smtClean="0">
+                <a:solidFill>
+                  <a:schemeClr val="accent4">
+                    <a:lumMod val="50000"/>
+                  </a:schemeClr>
+                </a:solidFill>
+                <a:latin typeface="Times New Roman" panose="02020603050405020304" pitchFamily="18" charset="0"/>
+                <a:cs typeface="Times New Roman" panose="02020603050405020304" pitchFamily="18" charset="0"/>
+              </a:rPr>
+              <a:t>회선 수식</a:t>
+            </a:r>
+            <a:endParaRPr lang="en-US" altLang="ko-KR" sz="1500" dirty="0">
+              <a:solidFill>
+                <a:schemeClr val="accent4">
+                  <a:lumMod val="50000"/>
+                </a:schemeClr>
+              </a:solidFill>
+              <a:latin typeface="Times New Roman" panose="02020603050405020304" pitchFamily="18" charset="0"/>
+              <a:cs typeface="Times New Roman" panose="02020603050405020304" pitchFamily="18" charset="0"/>
+            </a:endParaRPr>
+          </a:p>
+        </p:txBody>
+      </p:sp>
+    </p:spTree>
+    <p:extLst>
+      <p:ext uri="{BB962C8B-B14F-4D97-AF65-F5344CB8AC3E}">
+        <p14:creationId xmlns:p14="http://schemas.microsoft.com/office/powerpoint/2010/main" val="538936748"/>
+      </p:ext>
+    </p:extLst>
+  </p:cSld>
+  <p:clrMapOvr>
+    <a:masterClrMapping/>
+  </p:clrMapOvr>
+  <p:timing>
+    <p:tnLst>
+      <p:par>
+        <p:cTn id="1" dur="indefinite" restart="never" nodeType="tmRoot">
+          <p:childTnLst>
+            <p:seq concurrent="1" nextAc="seek">
+              <p:cTn id="2" dur="indefinite" nodeType="mainSeq">
+                <p:childTnLst>
+                  <p:par>
+                    <p:cTn id="3" fill="hold">
+                      <p:stCondLst>
+                        <p:cond delay="indefinite"/>
+                      </p:stCondLst>
+                      <p:childTnLst>
+                        <p:par>
+                          <p:cTn id="4" fill="hold">
+                            <p:stCondLst>
+                              <p:cond delay="0"/>
+                            </p:stCondLst>
+                            <p:childTnLst>
+                              <p:par>
+                                <p:cTn id="5" presetID="1" presetClass="entr" presetSubtype="0" fill="hold" grpId="0" nodeType="clickEffect">
+                                  <p:stCondLst>
+                                    <p:cond delay="0"/>
+                                  </p:stCondLst>
+                                  <p:childTnLst>
+                                    <p:set>
+                                      <p:cBhvr>
+                                        <p:cTn id="6" dur="1" fill="hold">
+                                          <p:stCondLst>
+                                            <p:cond delay="0"/>
+                                          </p:stCondLst>
+                                        </p:cTn>
+                                        <p:tgtEl>
+                                          <p:spTgt spid="5"/>
+                                        </p:tgtEl>
+                                        <p:attrNameLst>
+                                          <p:attrName>style.visibility</p:attrName>
+                                        </p:attrNameLst>
+                                      </p:cBhvr>
+                                      <p:to>
+                                        <p:strVal val="visible"/>
+                                      </p:to>
+                                    </p:set>
+                                  </p:childTnLst>
+                                </p:cTn>
+                              </p:par>
+                            </p:childTnLst>
+                          </p:cTn>
+                        </p:par>
+                      </p:childTnLst>
+                    </p:cTn>
+                  </p:par>
+                  <p:par>
+                    <p:cTn id="7" fill="hold">
+                      <p:stCondLst>
+                        <p:cond delay="indefinite"/>
+                      </p:stCondLst>
+                      <p:childTnLst>
+                        <p:par>
+                          <p:cTn id="8" fill="hold">
+                            <p:stCondLst>
+                              <p:cond delay="0"/>
+                            </p:stCondLst>
+                            <p:childTnLst>
+                              <p:par>
+                                <p:cTn id="9" presetID="1" presetClass="entr" presetSubtype="0" fill="hold" grpId="0" nodeType="clickEffect">
+                                  <p:stCondLst>
+                                    <p:cond delay="0"/>
+                                  </p:stCondLst>
+                                  <p:childTnLst>
+                                    <p:set>
+                                      <p:cBhvr>
+                                        <p:cTn id="10" dur="1" fill="hold">
+                                          <p:stCondLst>
+                                            <p:cond delay="0"/>
+                                          </p:stCondLst>
+                                        </p:cTn>
+                                        <p:tgtEl>
+                                          <p:spTgt spid="6"/>
+                                        </p:tgtEl>
+                                        <p:attrNameLst>
+                                          <p:attrName>style.visibility</p:attrName>
+                                        </p:attrNameLst>
+                                      </p:cBhvr>
+                                      <p:to>
+                                        <p:strVal val="visible"/>
+                                      </p:to>
+                                    </p:set>
+                                  </p:childTnLst>
+                                </p:cTn>
+                              </p:par>
+                            </p:childTnLst>
+                          </p:cTn>
+                        </p:par>
+                      </p:childTnLst>
+                    </p:cTn>
+                  </p:par>
+                  <p:par>
+                    <p:cTn id="11" fill="hold">
+                      <p:stCondLst>
+                        <p:cond delay="indefinite"/>
+                      </p:stCondLst>
+                      <p:childTnLst>
+                        <p:par>
+                          <p:cTn id="12" fill="hold">
+                            <p:stCondLst>
+                              <p:cond delay="0"/>
+                            </p:stCondLst>
+                            <p:childTnLst>
+                              <p:par>
+                                <p:cTn id="13" presetID="1" presetClass="entr" presetSubtype="0" fill="hold" grpId="0" nodeType="clickEffect">
+                                  <p:stCondLst>
+                                    <p:cond delay="0"/>
+                                  </p:stCondLst>
+                                  <p:childTnLst>
+                                    <p:set>
+                                      <p:cBhvr>
+                                        <p:cTn id="14" dur="1" fill="hold">
+                                          <p:stCondLst>
+                                            <p:cond delay="0"/>
+                                          </p:stCondLst>
+                                        </p:cTn>
+                                        <p:tgtEl>
+                                          <p:spTgt spid="7"/>
+                                        </p:tgtEl>
+                                        <p:attrNameLst>
+                                          <p:attrName>style.visibility</p:attrName>
+                                        </p:attrNameLst>
+                                      </p:cBhvr>
+                                      <p:to>
+                                        <p:strVal val="visible"/>
+                                      </p:to>
+                                    </p:set>
+                                  </p:childTnLst>
+                                </p:cTn>
+                              </p:par>
+                            </p:childTnLst>
+                          </p:cTn>
+                        </p:par>
+                      </p:childTnLst>
+                    </p:cTn>
+                  </p:par>
+                </p:childTnLst>
+              </p:cTn>
+              <p:prevCondLst>
+                <p:cond evt="onPrev" delay="0">
+                  <p:tgtEl>
+                    <p:sldTgt/>
+                  </p:tgtEl>
+                </p:cond>
+              </p:prevCondLst>
+              <p:nextCondLst>
+                <p:cond evt="onNext" delay="0">
+                  <p:tgtEl>
+                    <p:sldTgt/>
+                  </p:tgtEl>
+                </p:cond>
+              </p:nextCondLst>
+            </p:seq>
+          </p:childTnLst>
+        </p:cTn>
+      </p:par>
+    </p:tnLst>
+    <p:bldLst>
+      <p:bldP spid="5" grpId="0" animBg="1"/>
+      <p:bldP spid="6" grpId="0" animBg="1"/>
+      <p:bldP spid="7" grpId="0" animBg="1"/>
+    </p:bldLst>
+  </p:timing>
+</p:sld>
+</file>
+
+<file path=ppt/slides/slide6.xml><?xml version="1.0" encoding="utf-8"?>
+<p:sld xmlns:a="http://schemas.openxmlformats.org/drawingml/2006/main" xmlns:r="http://schemas.openxmlformats.org/officeDocument/2006/relationships" xmlns:p="http://schemas.openxmlformats.org/presentationml/2006/main">
+  <p:cSld>
+    <p:spTree>
+      <p:nvGrpSpPr>
+        <p:cNvPr id="1" name=""/>
+        <p:cNvGrpSpPr/>
+        <p:nvPr/>
+      </p:nvGrpSpPr>
+      <p:grpSpPr>
+        <a:xfrm>
+          <a:off x="0" y="0"/>
+          <a:ext cx="0" cy="0"/>
+          <a:chOff x="0" y="0"/>
+          <a:chExt cx="0" cy="0"/>
+        </a:xfrm>
+      </p:grpSpPr>
+      <p:pic>
+        <p:nvPicPr>
+          <p:cNvPr id="5" name="그림 4"/>
+          <p:cNvPicPr>
+            <a:picLocks noChangeAspect="1"/>
+          </p:cNvPicPr>
+          <p:nvPr/>
+        </p:nvPicPr>
+        <p:blipFill>
+          <a:blip r:embed="rId2"/>
+          <a:stretch>
+            <a:fillRect/>
+          </a:stretch>
+        </p:blipFill>
+        <p:spPr>
+          <a:xfrm>
+            <a:off x="6798198" y="1201665"/>
+            <a:ext cx="2074379" cy="1141405"/>
+          </a:xfrm>
+          <a:prstGeom prst="rect">
+            <a:avLst/>
+          </a:prstGeom>
+        </p:spPr>
+      </p:pic>
+      <p:sp>
+        <p:nvSpPr>
+          <p:cNvPr id="2" name="제목 1"/>
+          <p:cNvSpPr>
+            <a:spLocks noGrp="1"/>
+          </p:cNvSpPr>
+          <p:nvPr>
+            <p:ph type="title"/>
+          </p:nvPr>
+        </p:nvSpPr>
+        <p:spPr/>
+        <p:txBody>
+          <a:bodyPr/>
+          <a:lstStyle/>
+          <a:p>
+            <a:r>
+              <a:rPr lang="en-US" altLang="ko-KR" dirty="0" smtClean="0"/>
+              <a:t>6.2 </a:t>
+            </a:r>
+            <a:r>
+              <a:rPr lang="ko-KR" altLang="en-US" dirty="0" smtClean="0"/>
+              <a:t>미분 필터</a:t>
+            </a:r>
+            <a:endParaRPr lang="ko-KR" altLang="en-US" dirty="0"/>
+          </a:p>
+        </p:txBody>
+      </p:sp>
+      <p:sp>
+        <p:nvSpPr>
+          <p:cNvPr id="3" name="내용 개체 틀 2"/>
+          <p:cNvSpPr>
+            <a:spLocks noGrp="1"/>
+          </p:cNvSpPr>
+          <p:nvPr>
+            <p:ph idx="1"/>
+          </p:nvPr>
+        </p:nvSpPr>
+        <p:spPr/>
+        <p:txBody>
+          <a:bodyPr/>
+          <a:lstStyle/>
+          <a:p>
+            <a:r>
+              <a:rPr lang="ko-KR" altLang="en-US" dirty="0" smtClean="0"/>
+              <a:t>차분에 의한 미분 연산</a:t>
+            </a:r>
+            <a:endParaRPr lang="en-US" altLang="ko-KR" dirty="0" smtClean="0"/>
+          </a:p>
+          <a:p>
+            <a:pPr lvl="1"/>
+            <a:r>
+              <a:rPr lang="en-US" altLang="ko-KR" dirty="0" smtClean="0"/>
+              <a:t>X </a:t>
+            </a:r>
+            <a:r>
+              <a:rPr lang="ko-KR" altLang="en-US" dirty="0" smtClean="0"/>
+              <a:t>축 방향 또는 </a:t>
+            </a:r>
+            <a:r>
+              <a:rPr lang="en-US" altLang="ko-KR" dirty="0" smtClean="0"/>
+              <a:t>y </a:t>
+            </a:r>
+            <a:r>
+              <a:rPr lang="ko-KR" altLang="en-US" dirty="0" smtClean="0"/>
+              <a:t>축 방향으로 전후 혹은 좌우 의 픽셀 데이터를 이용하여 영상의 </a:t>
+            </a:r>
+            <a:r>
+              <a:rPr lang="ko-KR" altLang="en-US" dirty="0" err="1" smtClean="0"/>
+              <a:t>변화값을</a:t>
+            </a:r>
+            <a:r>
+              <a:rPr lang="ko-KR" altLang="en-US" dirty="0" smtClean="0"/>
+              <a:t> 두 픽셀의 차이로 구함 </a:t>
+            </a:r>
+            <a:endParaRPr lang="en-US" altLang="ko-KR" dirty="0" smtClean="0"/>
+          </a:p>
+          <a:p>
+            <a:endParaRPr lang="en-US" altLang="ko-KR" dirty="0"/>
+          </a:p>
+          <a:p>
+            <a:pPr lvl="1"/>
+            <a:r>
+              <a:rPr lang="ko-KR" altLang="en-US" dirty="0" smtClean="0"/>
+              <a:t>회선</a:t>
+            </a:r>
+            <a:r>
+              <a:rPr lang="en-US" altLang="ko-KR" dirty="0" smtClean="0"/>
+              <a:t>(convolution)</a:t>
+            </a:r>
+            <a:r>
+              <a:rPr lang="ko-KR" altLang="en-US" dirty="0" smtClean="0"/>
+              <a:t>을 위와 같은 마스크를 사용하면 각각의 </a:t>
+            </a:r>
+            <a:r>
+              <a:rPr lang="ko-KR" altLang="en-US" dirty="0" err="1" smtClean="0"/>
+              <a:t>편미분</a:t>
+            </a:r>
+            <a:r>
+              <a:rPr lang="ko-KR" altLang="en-US" dirty="0" smtClean="0"/>
+              <a:t> 값을 구할 수 있음</a:t>
+            </a:r>
+            <a:r>
+              <a:rPr lang="en-US" altLang="ko-KR" dirty="0" smtClean="0"/>
+              <a:t>. </a:t>
+            </a:r>
+          </a:p>
+          <a:p>
+            <a:r>
+              <a:rPr lang="ko-KR" altLang="en-US" dirty="0" smtClean="0"/>
+              <a:t>기울기의 계산</a:t>
+            </a:r>
+            <a:endParaRPr lang="en-US" altLang="ko-KR" dirty="0" smtClean="0"/>
+          </a:p>
+          <a:p>
+            <a:pPr lvl="1"/>
+            <a:r>
+              <a:rPr lang="ko-KR" altLang="en-US" dirty="0" smtClean="0"/>
+              <a:t>각 픽셀의 미분 값에 </a:t>
+            </a:r>
+            <a:r>
+              <a:rPr lang="en-US" altLang="ko-KR" dirty="0" smtClean="0"/>
+              <a:t>x, y </a:t>
+            </a:r>
+            <a:r>
+              <a:rPr lang="ko-KR" altLang="en-US" dirty="0" smtClean="0"/>
+              <a:t>값의 크기를 더하면 변화의 크기를 계산</a:t>
+            </a:r>
+            <a:endParaRPr lang="en-US" altLang="ko-KR" dirty="0" smtClean="0"/>
+          </a:p>
+          <a:p>
+            <a:pPr lvl="1"/>
+            <a:r>
+              <a:rPr lang="ko-KR" altLang="en-US" dirty="0" smtClean="0"/>
+              <a:t>기울기를 계산하면 </a:t>
+            </a:r>
+            <a:r>
+              <a:rPr lang="ko-KR" altLang="en-US" dirty="0" err="1"/>
+              <a:t>엣</a:t>
+            </a:r>
+            <a:r>
+              <a:rPr lang="ko-KR" altLang="en-US" dirty="0" err="1" smtClean="0"/>
+              <a:t>지의</a:t>
+            </a:r>
+            <a:r>
+              <a:rPr lang="ko-KR" altLang="en-US" dirty="0" smtClean="0"/>
+              <a:t> 방향을 구함</a:t>
+            </a:r>
+            <a:r>
+              <a:rPr lang="en-US" altLang="ko-KR" dirty="0" smtClean="0"/>
+              <a:t>.</a:t>
+            </a:r>
+            <a:endParaRPr lang="ko-KR" altLang="en-US" dirty="0"/>
+          </a:p>
+        </p:txBody>
+      </p:sp>
+      <p:pic>
+        <p:nvPicPr>
+          <p:cNvPr id="6" name="Picture 2"/>
+          <p:cNvPicPr>
+            <a:picLocks noChangeAspect="1" noChangeArrowheads="1"/>
+          </p:cNvPicPr>
+          <p:nvPr/>
+        </p:nvPicPr>
+        <p:blipFill>
+          <a:blip r:embed="rId3">
+            <a:extLst>
+              <a:ext uri="{28A0092B-C50C-407E-A947-70E740481C1C}">
+                <a14:useLocalDpi xmlns:a14="http://schemas.microsoft.com/office/drawing/2010/main" val="0"/>
+              </a:ext>
+            </a:extLst>
+          </a:blip>
+          <a:srcRect/>
+          <a:stretch>
+            <a:fillRect/>
+          </a:stretch>
+        </p:blipFill>
+        <p:spPr bwMode="auto">
+          <a:xfrm>
+            <a:off x="1763688" y="3645024"/>
+            <a:ext cx="4007167" cy="1793558"/>
+          </a:xfrm>
+          <a:prstGeom prst="rect">
+            <a:avLst/>
+          </a:prstGeom>
+          <a:noFill/>
+          <a:ln>
+            <a:noFill/>
+          </a:ln>
+          <a:extLst>
+            <a:ext uri="{909E8E84-426E-40DD-AFC4-6F175D3DCCD1}">
+              <a14:hiddenFill xmlns:a14="http://schemas.microsoft.com/office/drawing/2010/main">
+                <a:solidFill>
+                  <a:schemeClr val="accent1"/>
+                </a:solidFill>
+              </a14:hiddenFill>
+            </a:ext>
+            <a:ext uri="{91240B29-F687-4F45-9708-019B960494DF}">
+              <a14:hiddenLine xmlns:a14="http://schemas.microsoft.com/office/drawing/2010/main" w="9525">
+                <a:solidFill>
+                  <a:schemeClr val="tx1"/>
+                </a:solidFill>
+                <a:miter lim="800000"/>
+                <a:headEnd/>
+                <a:tailEnd/>
+              </a14:hiddenLine>
+            </a:ext>
+          </a:extLst>
+        </p:spPr>
+      </p:pic>
+      <p:pic>
+        <p:nvPicPr>
+          <p:cNvPr id="7" name="Picture 3"/>
+          <p:cNvPicPr>
+            <a:picLocks noChangeAspect="1" noChangeArrowheads="1"/>
+          </p:cNvPicPr>
+          <p:nvPr/>
+        </p:nvPicPr>
+        <p:blipFill>
+          <a:blip r:embed="rId4">
+            <a:extLst>
+              <a:ext uri="{28A0092B-C50C-407E-A947-70E740481C1C}">
+                <a14:useLocalDpi xmlns:a14="http://schemas.microsoft.com/office/drawing/2010/main" val="0"/>
+              </a:ext>
+            </a:extLst>
+          </a:blip>
+          <a:srcRect/>
+          <a:stretch>
+            <a:fillRect/>
+          </a:stretch>
+        </p:blipFill>
+        <p:spPr bwMode="auto">
+          <a:xfrm>
+            <a:off x="1794021" y="5373216"/>
+            <a:ext cx="2440305" cy="853440"/>
+          </a:xfrm>
+          <a:prstGeom prst="rect">
+            <a:avLst/>
+          </a:prstGeom>
+          <a:noFill/>
+          <a:ln>
+            <a:noFill/>
+          </a:ln>
+          <a:extLst>
+            <a:ext uri="{909E8E84-426E-40DD-AFC4-6F175D3DCCD1}">
+              <a14:hiddenFill xmlns:a14="http://schemas.microsoft.com/office/drawing/2010/main">
+                <a:solidFill>
+                  <a:schemeClr val="accent1"/>
+                </a:solidFill>
+              </a14:hiddenFill>
+            </a:ext>
+            <a:ext uri="{91240B29-F687-4F45-9708-019B960494DF}">
+              <a14:hiddenLine xmlns:a14="http://schemas.microsoft.com/office/drawing/2010/main" w="9525">
+                <a:solidFill>
+                  <a:schemeClr val="tx1"/>
+                </a:solidFill>
+                <a:miter lim="800000"/>
+                <a:headEnd/>
+                <a:tailEnd/>
+              </a14:hiddenLine>
+            </a:ext>
+          </a:extLst>
+        </p:spPr>
+      </p:pic>
+      <p:sp>
+        <p:nvSpPr>
+          <p:cNvPr id="8" name="모서리가 둥근 사각형 설명선 7"/>
+          <p:cNvSpPr/>
+          <p:nvPr/>
+        </p:nvSpPr>
+        <p:spPr>
+          <a:xfrm>
+            <a:off x="5641924" y="3362350"/>
+            <a:ext cx="1813983" cy="504056"/>
+          </a:xfrm>
+          <a:prstGeom prst="wedgeRoundRectCallout">
+            <a:avLst>
+              <a:gd name="adj1" fmla="val -64226"/>
+              <a:gd name="adj2" fmla="val 208301"/>
+              <a:gd name="adj3" fmla="val 16667"/>
+            </a:avLst>
+          </a:prstGeom>
+        </p:spPr>
+        <p:style>
+          <a:lnRef idx="1">
+            <a:schemeClr val="accent4"/>
+          </a:lnRef>
+          <a:fillRef idx="2">
+            <a:schemeClr val="accent4"/>
+          </a:fillRef>
+          <a:effectRef idx="1">
+            <a:schemeClr val="accent4"/>
+          </a:effectRef>
+          <a:fontRef idx="minor">
+            <a:schemeClr val="dk1"/>
+          </a:fontRef>
+        </p:style>
+        <p:txBody>
+          <a:bodyPr lIns="36000" rIns="36000" rtlCol="0" anchor="ctr"/>
+          <a:lstStyle/>
+          <a:p>
+            <a:pPr algn="ctr"/>
+            <a:r>
+              <a:rPr lang="ko-KR" altLang="en-US" sz="1500" dirty="0" smtClean="0">
+                <a:solidFill>
+                  <a:schemeClr val="accent4">
+                    <a:lumMod val="50000"/>
+                  </a:schemeClr>
+                </a:solidFill>
+                <a:latin typeface="Times New Roman" panose="02020603050405020304" pitchFamily="18" charset="0"/>
+                <a:cs typeface="Times New Roman" panose="02020603050405020304" pitchFamily="18" charset="0"/>
+              </a:rPr>
+              <a:t>디지털 영상은 </a:t>
+            </a:r>
+            <a:r>
+              <a:rPr lang="en-US" altLang="ko-KR" sz="1500" dirty="0" smtClean="0">
+                <a:solidFill>
+                  <a:schemeClr val="accent4">
+                    <a:lumMod val="50000"/>
+                  </a:schemeClr>
+                </a:solidFill>
+                <a:latin typeface="Times New Roman" panose="02020603050405020304" pitchFamily="18" charset="0"/>
+                <a:cs typeface="Times New Roman" panose="02020603050405020304" pitchFamily="18" charset="0"/>
+              </a:rPr>
+              <a:t>1</a:t>
+            </a:r>
+            <a:r>
+              <a:rPr lang="ko-KR" altLang="en-US" sz="1500" dirty="0" smtClean="0">
+                <a:solidFill>
+                  <a:schemeClr val="accent4">
+                    <a:lumMod val="50000"/>
+                  </a:schemeClr>
+                </a:solidFill>
+                <a:latin typeface="Times New Roman" panose="02020603050405020304" pitchFamily="18" charset="0"/>
+                <a:cs typeface="Times New Roman" panose="02020603050405020304" pitchFamily="18" charset="0"/>
+              </a:rPr>
+              <a:t>픽셀씩으로 근사</a:t>
+            </a:r>
+            <a:endParaRPr lang="en-US" altLang="ko-KR" sz="1500" dirty="0">
+              <a:solidFill>
+                <a:schemeClr val="accent4">
+                  <a:lumMod val="50000"/>
+                </a:schemeClr>
+              </a:solidFill>
+              <a:latin typeface="Times New Roman" panose="02020603050405020304" pitchFamily="18" charset="0"/>
+              <a:cs typeface="Times New Roman" panose="02020603050405020304" pitchFamily="18" charset="0"/>
+            </a:endParaRPr>
+          </a:p>
+        </p:txBody>
+      </p:sp>
+      <p:sp>
+        <p:nvSpPr>
+          <p:cNvPr id="9" name="모서리가 둥근 사각형 설명선 8"/>
+          <p:cNvSpPr/>
+          <p:nvPr/>
+        </p:nvSpPr>
+        <p:spPr>
+          <a:xfrm>
+            <a:off x="4863863" y="5085184"/>
+            <a:ext cx="1813983" cy="545792"/>
+          </a:xfrm>
+          <a:prstGeom prst="wedgeRoundRectCallout">
+            <a:avLst>
+              <a:gd name="adj1" fmla="val -86629"/>
+              <a:gd name="adj2" fmla="val 46551"/>
+              <a:gd name="adj3" fmla="val 16667"/>
+            </a:avLst>
+          </a:prstGeom>
+        </p:spPr>
+        <p:style>
+          <a:lnRef idx="1">
+            <a:schemeClr val="accent4"/>
+          </a:lnRef>
+          <a:fillRef idx="2">
+            <a:schemeClr val="accent4"/>
+          </a:fillRef>
+          <a:effectRef idx="1">
+            <a:schemeClr val="accent4"/>
+          </a:effectRef>
+          <a:fontRef idx="minor">
+            <a:schemeClr val="dk1"/>
+          </a:fontRef>
+        </p:style>
+        <p:txBody>
+          <a:bodyPr lIns="36000" rIns="36000" rtlCol="0" anchor="ctr"/>
+          <a:lstStyle/>
+          <a:p>
+            <a:pPr algn="ctr"/>
+            <a:r>
+              <a:rPr lang="ko-KR" altLang="en-US" sz="1500" dirty="0" smtClean="0">
+                <a:solidFill>
+                  <a:schemeClr val="accent4">
+                    <a:lumMod val="50000"/>
+                  </a:schemeClr>
+                </a:solidFill>
+                <a:latin typeface="Times New Roman" panose="02020603050405020304" pitchFamily="18" charset="0"/>
+                <a:cs typeface="Times New Roman" panose="02020603050405020304" pitchFamily="18" charset="0"/>
+              </a:rPr>
+              <a:t>밝기 변화율 </a:t>
+            </a:r>
+            <a:r>
+              <a:rPr lang="en-US" altLang="ko-KR" sz="1500" dirty="0" smtClean="0">
+                <a:solidFill>
+                  <a:schemeClr val="accent4">
+                    <a:lumMod val="50000"/>
+                  </a:schemeClr>
+                </a:solidFill>
+                <a:latin typeface="Times New Roman" panose="02020603050405020304" pitchFamily="18" charset="0"/>
+                <a:cs typeface="Times New Roman" panose="02020603050405020304" pitchFamily="18" charset="0"/>
+              </a:rPr>
+              <a:t>: </a:t>
+            </a:r>
+            <a:r>
+              <a:rPr lang="ko-KR" altLang="en-US" sz="1500" dirty="0" smtClean="0">
+                <a:solidFill>
+                  <a:schemeClr val="accent4">
+                    <a:lumMod val="50000"/>
+                  </a:schemeClr>
+                </a:solidFill>
+                <a:latin typeface="Times New Roman" panose="02020603050405020304" pitchFamily="18" charset="0"/>
+                <a:cs typeface="Times New Roman" panose="02020603050405020304" pitchFamily="18" charset="0"/>
+              </a:rPr>
+              <a:t>에지 강도</a:t>
+            </a:r>
+            <a:endParaRPr lang="en-US" altLang="ko-KR" sz="1500" dirty="0">
+              <a:solidFill>
+                <a:schemeClr val="accent4">
+                  <a:lumMod val="50000"/>
+                </a:schemeClr>
+              </a:solidFill>
+              <a:latin typeface="Times New Roman" panose="02020603050405020304" pitchFamily="18" charset="0"/>
+              <a:cs typeface="Times New Roman" panose="02020603050405020304" pitchFamily="18" charset="0"/>
+            </a:endParaRPr>
+          </a:p>
+        </p:txBody>
+      </p:sp>
+      <p:sp>
+        <p:nvSpPr>
+          <p:cNvPr id="10" name="모서리가 둥근 사각형 설명선 9"/>
+          <p:cNvSpPr/>
+          <p:nvPr/>
+        </p:nvSpPr>
+        <p:spPr>
+          <a:xfrm>
+            <a:off x="4170285" y="5713244"/>
+            <a:ext cx="1499159" cy="493796"/>
+          </a:xfrm>
+          <a:prstGeom prst="wedgeRoundRectCallout">
+            <a:avLst>
+              <a:gd name="adj1" fmla="val -138438"/>
+              <a:gd name="adj2" fmla="val -20845"/>
+              <a:gd name="adj3" fmla="val 16667"/>
+            </a:avLst>
+          </a:prstGeom>
+        </p:spPr>
+        <p:style>
+          <a:lnRef idx="1">
+            <a:schemeClr val="accent4"/>
+          </a:lnRef>
+          <a:fillRef idx="2">
+            <a:schemeClr val="accent4"/>
+          </a:fillRef>
+          <a:effectRef idx="1">
+            <a:schemeClr val="accent4"/>
+          </a:effectRef>
+          <a:fontRef idx="minor">
+            <a:schemeClr val="dk1"/>
+          </a:fontRef>
+        </p:style>
+        <p:txBody>
+          <a:bodyPr lIns="36000" rIns="36000" rtlCol="0" anchor="ctr"/>
+          <a:lstStyle/>
+          <a:p>
+            <a:pPr algn="ctr"/>
+            <a:r>
+              <a:rPr lang="ko-KR" altLang="en-US" sz="1500" dirty="0" smtClean="0">
+                <a:solidFill>
+                  <a:schemeClr val="accent4">
+                    <a:lumMod val="50000"/>
+                  </a:schemeClr>
+                </a:solidFill>
+                <a:latin typeface="Times New Roman" panose="02020603050405020304" pitchFamily="18" charset="0"/>
+                <a:cs typeface="Times New Roman" panose="02020603050405020304" pitchFamily="18" charset="0"/>
+              </a:rPr>
+              <a:t>기울기 </a:t>
+            </a:r>
+            <a:r>
+              <a:rPr lang="en-US" altLang="ko-KR" sz="1500" dirty="0" smtClean="0">
+                <a:solidFill>
+                  <a:schemeClr val="accent4">
+                    <a:lumMod val="50000"/>
+                  </a:schemeClr>
+                </a:solidFill>
+                <a:latin typeface="Times New Roman" panose="02020603050405020304" pitchFamily="18" charset="0"/>
+                <a:cs typeface="Times New Roman" panose="02020603050405020304" pitchFamily="18" charset="0"/>
+              </a:rPr>
+              <a:t>: </a:t>
+            </a:r>
+            <a:r>
+              <a:rPr lang="ko-KR" altLang="en-US" sz="1500" dirty="0" err="1">
+                <a:solidFill>
+                  <a:schemeClr val="accent4">
+                    <a:lumMod val="50000"/>
+                  </a:schemeClr>
+                </a:solidFill>
+                <a:latin typeface="Times New Roman" panose="02020603050405020304" pitchFamily="18" charset="0"/>
+                <a:cs typeface="Times New Roman" panose="02020603050405020304" pitchFamily="18" charset="0"/>
+              </a:rPr>
+              <a:t>엣</a:t>
+            </a:r>
+            <a:r>
+              <a:rPr lang="ko-KR" altLang="en-US" sz="1500" dirty="0" err="1" smtClean="0">
+                <a:solidFill>
+                  <a:schemeClr val="accent4">
+                    <a:lumMod val="50000"/>
+                  </a:schemeClr>
+                </a:solidFill>
+                <a:latin typeface="Times New Roman" panose="02020603050405020304" pitchFamily="18" charset="0"/>
+                <a:cs typeface="Times New Roman" panose="02020603050405020304" pitchFamily="18" charset="0"/>
+              </a:rPr>
+              <a:t>지의</a:t>
+            </a:r>
+            <a:r>
+              <a:rPr lang="ko-KR" altLang="en-US" sz="1500" dirty="0" smtClean="0">
+                <a:solidFill>
+                  <a:schemeClr val="accent4">
+                    <a:lumMod val="50000"/>
+                  </a:schemeClr>
+                </a:solidFill>
+                <a:latin typeface="Times New Roman" panose="02020603050405020304" pitchFamily="18" charset="0"/>
+                <a:cs typeface="Times New Roman" panose="02020603050405020304" pitchFamily="18" charset="0"/>
+              </a:rPr>
+              <a:t> </a:t>
+            </a:r>
+            <a:r>
+              <a:rPr lang="ko-KR" altLang="en-US" sz="1500" dirty="0" smtClean="0">
+                <a:solidFill>
+                  <a:schemeClr val="accent4">
+                    <a:lumMod val="50000"/>
+                  </a:schemeClr>
+                </a:solidFill>
+                <a:latin typeface="Times New Roman" panose="02020603050405020304" pitchFamily="18" charset="0"/>
+                <a:cs typeface="Times New Roman" panose="02020603050405020304" pitchFamily="18" charset="0"/>
+              </a:rPr>
+              <a:t>방향</a:t>
+            </a:r>
+            <a:endParaRPr lang="en-US" altLang="ko-KR" sz="1500" dirty="0">
+              <a:solidFill>
+                <a:schemeClr val="accent4">
+                  <a:lumMod val="50000"/>
+                </a:schemeClr>
+              </a:solidFill>
+              <a:latin typeface="Times New Roman" panose="02020603050405020304" pitchFamily="18" charset="0"/>
+              <a:cs typeface="Times New Roman" panose="02020603050405020304" pitchFamily="18" charset="0"/>
+            </a:endParaRPr>
+          </a:p>
+        </p:txBody>
+      </p:sp>
+    </p:spTree>
+    <p:extLst>
+      <p:ext uri="{BB962C8B-B14F-4D97-AF65-F5344CB8AC3E}">
+        <p14:creationId xmlns:p14="http://schemas.microsoft.com/office/powerpoint/2010/main" val="305645880"/>
+      </p:ext>
+    </p:extLst>
+  </p:cSld>
+  <p:clrMapOvr>
+    <a:masterClrMapping/>
+  </p:clrMapOvr>
+  <p:timing>
+    <p:tnLst>
+      <p:par>
+        <p:cTn id="1" dur="indefinite" restart="never" nodeType="tmRoot">
+          <p:childTnLst>
+            <p:seq concurrent="1" nextAc="seek">
+              <p:cTn id="2" dur="indefinite" nodeType="mainSeq">
+                <p:childTnLst>
+                  <p:par>
+                    <p:cTn id="3" fill="hold">
+                      <p:stCondLst>
+                        <p:cond delay="indefinite"/>
+                      </p:stCondLst>
+                      <p:childTnLst>
+                        <p:par>
+                          <p:cTn id="4" fill="hold">
+                            <p:stCondLst>
+                              <p:cond delay="0"/>
+                            </p:stCondLst>
+                            <p:childTnLst>
+                              <p:par>
+                                <p:cTn id="5" presetID="1" presetClass="entr" presetSubtype="0" fill="hold" grpId="0" nodeType="clickEffect">
+                                  <p:stCondLst>
+                                    <p:cond delay="0"/>
+                                  </p:stCondLst>
+                                  <p:childTnLst>
+                                    <p:set>
+                                      <p:cBhvr>
+                                        <p:cTn id="6" dur="1" fill="hold">
+                                          <p:stCondLst>
+                                            <p:cond delay="0"/>
+                                          </p:stCondLst>
+                                        </p:cTn>
+                                        <p:tgtEl>
+                                          <p:spTgt spid="8"/>
+                                        </p:tgtEl>
+                                        <p:attrNameLst>
+                                          <p:attrName>style.visibility</p:attrName>
+                                        </p:attrNameLst>
+                                      </p:cBhvr>
+                                      <p:to>
+                                        <p:strVal val="visible"/>
+                                      </p:to>
+                                    </p:set>
+                                  </p:childTnLst>
+                                </p:cTn>
+                              </p:par>
+                            </p:childTnLst>
+                          </p:cTn>
+                        </p:par>
+                      </p:childTnLst>
+                    </p:cTn>
+                  </p:par>
+                  <p:par>
+                    <p:cTn id="7" fill="hold">
+                      <p:stCondLst>
+                        <p:cond delay="indefinite"/>
+                      </p:stCondLst>
+                      <p:childTnLst>
+                        <p:par>
+                          <p:cTn id="8" fill="hold">
+                            <p:stCondLst>
+                              <p:cond delay="0"/>
+                            </p:stCondLst>
+                            <p:childTnLst>
+                              <p:par>
+                                <p:cTn id="9" presetID="1" presetClass="entr" presetSubtype="0" fill="hold" grpId="0" nodeType="clickEffect">
+                                  <p:stCondLst>
+                                    <p:cond delay="0"/>
+                                  </p:stCondLst>
+                                  <p:childTnLst>
+                                    <p:set>
+                                      <p:cBhvr>
+                                        <p:cTn id="10" dur="1" fill="hold">
+                                          <p:stCondLst>
+                                            <p:cond delay="0"/>
+                                          </p:stCondLst>
+                                        </p:cTn>
+                                        <p:tgtEl>
+                                          <p:spTgt spid="9"/>
+                                        </p:tgtEl>
+                                        <p:attrNameLst>
+                                          <p:attrName>style.visibility</p:attrName>
+                                        </p:attrNameLst>
+                                      </p:cBhvr>
+                                      <p:to>
+                                        <p:strVal val="visible"/>
+                                      </p:to>
+                                    </p:set>
+                                  </p:childTnLst>
+                                </p:cTn>
+                              </p:par>
+                            </p:childTnLst>
+                          </p:cTn>
+                        </p:par>
+                      </p:childTnLst>
+                    </p:cTn>
+                  </p:par>
+                  <p:par>
+                    <p:cTn id="11" fill="hold">
+                      <p:stCondLst>
+                        <p:cond delay="indefinite"/>
+                      </p:stCondLst>
+                      <p:childTnLst>
+                        <p:par>
+                          <p:cTn id="12" fill="hold">
+                            <p:stCondLst>
+                              <p:cond delay="0"/>
+                            </p:stCondLst>
+                            <p:childTnLst>
+                              <p:par>
+                                <p:cTn id="13" presetID="1" presetClass="entr" presetSubtype="0" fill="hold" grpId="0" nodeType="clickEffect">
+                                  <p:stCondLst>
+                                    <p:cond delay="0"/>
+                                  </p:stCondLst>
+                                  <p:childTnLst>
+                                    <p:set>
+                                      <p:cBhvr>
+                                        <p:cTn id="14" dur="1" fill="hold">
+                                          <p:stCondLst>
+                                            <p:cond delay="0"/>
+                                          </p:stCondLst>
+                                        </p:cTn>
+                                        <p:tgtEl>
+                                          <p:spTgt spid="10"/>
+                                        </p:tgtEl>
+                                        <p:attrNameLst>
+                                          <p:attrName>style.visibility</p:attrName>
+                                        </p:attrNameLst>
+                                      </p:cBhvr>
+                                      <p:to>
+                                        <p:strVal val="visible"/>
+                                      </p:to>
+                                    </p:set>
+                                  </p:childTnLst>
+                                </p:cTn>
+                              </p:par>
+                            </p:childTnLst>
+                          </p:cTn>
+                        </p:par>
+                      </p:childTnLst>
+                    </p:cTn>
+                  </p:par>
+                </p:childTnLst>
+              </p:cTn>
+              <p:prevCondLst>
+                <p:cond evt="onPrev" delay="0">
+                  <p:tgtEl>
+                    <p:sldTgt/>
+                  </p:tgtEl>
+                </p:cond>
+              </p:prevCondLst>
+              <p:nextCondLst>
+                <p:cond evt="onNext" delay="0">
+                  <p:tgtEl>
+                    <p:sldTgt/>
+                  </p:tgtEl>
+                </p:cond>
+              </p:nextCondLst>
+            </p:seq>
+          </p:childTnLst>
+        </p:cTn>
+      </p:par>
+    </p:tnLst>
+    <p:bldLst>
+      <p:bldP spid="8" grpId="0" animBg="1"/>
+      <p:bldP spid="9" grpId="0" animBg="1"/>
+      <p:bldP spid="10" grpId="0" animBg="1"/>
+    </p:bldLst>
+  </p:timing>
+</p:sld>
+</file>
+
+<file path=ppt/slides/slide7.xml><?xml version="1.0" encoding="utf-8"?>
+<p:sld xmlns:a="http://schemas.openxmlformats.org/drawingml/2006/main" xmlns:r="http://schemas.openxmlformats.org/officeDocument/2006/relationships" xmlns:p="http://schemas.openxmlformats.org/presentationml/2006/main">
+  <p:cSld>
+    <p:spTree>
+      <p:nvGrpSpPr>
+        <p:cNvPr id="1" name=""/>
+        <p:cNvGrpSpPr/>
+        <p:nvPr/>
+      </p:nvGrpSpPr>
+      <p:grpSpPr>
+        <a:xfrm>
+          <a:off x="0" y="0"/>
+          <a:ext cx="0" cy="0"/>
+          <a:chOff x="0" y="0"/>
+          <a:chExt cx="0" cy="0"/>
+        </a:xfrm>
+      </p:grpSpPr>
+      <p:sp>
+        <p:nvSpPr>
+          <p:cNvPr id="2" name="제목 1"/>
+          <p:cNvSpPr>
+            <a:spLocks noGrp="1"/>
+          </p:cNvSpPr>
+          <p:nvPr>
+            <p:ph type="title"/>
+          </p:nvPr>
+        </p:nvSpPr>
+        <p:spPr/>
+        <p:txBody>
+          <a:bodyPr/>
+          <a:lstStyle/>
+          <a:p>
+            <a:r>
+              <a:rPr lang="en-US" altLang="ko-KR" dirty="0"/>
+              <a:t>6.2 </a:t>
+            </a:r>
+            <a:r>
+              <a:rPr lang="ko-KR" altLang="en-US" dirty="0"/>
+              <a:t>미분 </a:t>
+            </a:r>
+            <a:r>
+              <a:rPr lang="ko-KR" altLang="en-US" dirty="0" smtClean="0"/>
+              <a:t>필터 </a:t>
+            </a:r>
+            <a:r>
+              <a:rPr lang="en-US" altLang="ko-KR" dirty="0" smtClean="0"/>
+              <a:t>– </a:t>
+            </a:r>
+            <a:r>
+              <a:rPr lang="ko-KR" altLang="en-US" dirty="0" err="1" smtClean="0"/>
+              <a:t>소벨</a:t>
+            </a:r>
+            <a:r>
+              <a:rPr lang="ko-KR" altLang="en-US" dirty="0" smtClean="0"/>
+              <a:t> 마스크</a:t>
+            </a:r>
+            <a:endParaRPr lang="ko-KR" altLang="en-US" dirty="0"/>
+          </a:p>
+        </p:txBody>
+      </p:sp>
+      <p:sp>
+        <p:nvSpPr>
+          <p:cNvPr id="3" name="내용 개체 틀 2"/>
+          <p:cNvSpPr>
+            <a:spLocks noGrp="1"/>
+          </p:cNvSpPr>
+          <p:nvPr>
+            <p:ph idx="1"/>
+          </p:nvPr>
+        </p:nvSpPr>
+        <p:spPr/>
+        <p:txBody>
+          <a:bodyPr/>
+          <a:lstStyle/>
+          <a:p>
+            <a:r>
+              <a:rPr lang="en-US" altLang="ko-KR" dirty="0" smtClean="0"/>
+              <a:t>1</a:t>
+            </a:r>
+            <a:r>
+              <a:rPr lang="ko-KR" altLang="en-US" dirty="0" smtClean="0"/>
+              <a:t>차 미분 필터</a:t>
+            </a:r>
+            <a:endParaRPr lang="en-US" altLang="ko-KR" dirty="0" smtClean="0"/>
+          </a:p>
+          <a:p>
+            <a:pPr lvl="1"/>
+            <a:r>
+              <a:rPr lang="en-US" altLang="ko-KR" dirty="0" smtClean="0"/>
+              <a:t>Sobel() </a:t>
+            </a:r>
+            <a:r>
+              <a:rPr lang="ko-KR" altLang="en-US" dirty="0" smtClean="0"/>
+              <a:t>연산을 사용하면 </a:t>
+            </a:r>
+            <a:r>
+              <a:rPr lang="en-US" altLang="ko-KR" dirty="0" err="1" smtClean="0"/>
+              <a:t>gx</a:t>
+            </a:r>
+            <a:r>
+              <a:rPr lang="en-US" altLang="ko-KR" dirty="0" smtClean="0"/>
+              <a:t>, </a:t>
+            </a:r>
+            <a:r>
+              <a:rPr lang="en-US" altLang="ko-KR" dirty="0" err="1" smtClean="0"/>
+              <a:t>gy</a:t>
+            </a:r>
+            <a:r>
+              <a:rPr lang="en-US" altLang="ko-KR" dirty="0" smtClean="0"/>
+              <a:t> </a:t>
+            </a:r>
+            <a:r>
+              <a:rPr lang="ko-KR" altLang="en-US" dirty="0" smtClean="0"/>
+              <a:t>값을 구할 수 있음</a:t>
+            </a:r>
+            <a:endParaRPr lang="en-US" altLang="ko-KR" dirty="0" smtClean="0"/>
+          </a:p>
+          <a:p>
+            <a:pPr lvl="1"/>
+            <a:r>
+              <a:rPr lang="en-US" altLang="ko-KR" dirty="0" err="1" smtClean="0"/>
+              <a:t>Ksize</a:t>
+            </a:r>
+            <a:r>
+              <a:rPr lang="en-US" altLang="ko-KR" dirty="0" smtClean="0"/>
+              <a:t> = 3 </a:t>
+            </a:r>
+            <a:r>
+              <a:rPr lang="ko-KR" altLang="en-US" dirty="0" smtClean="0"/>
+              <a:t>을 사용</a:t>
+            </a:r>
+            <a:endParaRPr lang="en-US" altLang="ko-KR" dirty="0" smtClean="0"/>
+          </a:p>
+          <a:p>
+            <a:pPr lvl="1"/>
+            <a:endParaRPr lang="en-US" altLang="ko-KR" dirty="0"/>
+          </a:p>
+          <a:p>
+            <a:pPr lvl="1"/>
+            <a:endParaRPr lang="en-US" altLang="ko-KR" dirty="0" smtClean="0"/>
+          </a:p>
+          <a:p>
+            <a:pPr lvl="1"/>
+            <a:endParaRPr lang="en-US" altLang="ko-KR" dirty="0"/>
+          </a:p>
+          <a:p>
+            <a:pPr lvl="1"/>
+            <a:endParaRPr lang="en-US" altLang="ko-KR" dirty="0" smtClean="0"/>
+          </a:p>
+          <a:p>
+            <a:pPr lvl="1"/>
+            <a:endParaRPr lang="en-US" altLang="ko-KR" dirty="0"/>
+          </a:p>
+          <a:p>
+            <a:pPr lvl="1"/>
+            <a:endParaRPr lang="en-US" altLang="ko-KR" dirty="0" smtClean="0"/>
+          </a:p>
+          <a:p>
+            <a:pPr lvl="1"/>
+            <a:endParaRPr lang="en-US" altLang="ko-KR" dirty="0"/>
+          </a:p>
+          <a:p>
+            <a:pPr lvl="1"/>
+            <a:r>
+              <a:rPr lang="ko-KR" altLang="en-US" dirty="0" err="1" smtClean="0"/>
+              <a:t>수직수평과</a:t>
+            </a:r>
+            <a:r>
+              <a:rPr lang="ko-KR" altLang="en-US" dirty="0" smtClean="0"/>
+              <a:t> </a:t>
+            </a:r>
+            <a:r>
+              <a:rPr lang="ko-KR" altLang="en-US" dirty="0" err="1" smtClean="0"/>
+              <a:t>대각성</a:t>
+            </a:r>
+            <a:r>
+              <a:rPr lang="ko-KR" altLang="en-US" dirty="0" smtClean="0"/>
+              <a:t> 방향의 </a:t>
+            </a:r>
+            <a:r>
+              <a:rPr lang="ko-KR" altLang="en-US" dirty="0" err="1" smtClean="0"/>
+              <a:t>엣지를</a:t>
+            </a:r>
+            <a:r>
+              <a:rPr lang="ko-KR" altLang="en-US" dirty="0" smtClean="0"/>
+              <a:t> 검출 할 수 있음</a:t>
+            </a:r>
+            <a:r>
+              <a:rPr lang="en-US" altLang="ko-KR" dirty="0" smtClean="0"/>
+              <a:t>. </a:t>
+            </a:r>
+          </a:p>
+          <a:p>
+            <a:pPr lvl="1"/>
+            <a:r>
+              <a:rPr lang="en-US" altLang="ko-KR" dirty="0" smtClean="0"/>
+              <a:t>. Cv2.filter2D() </a:t>
+            </a:r>
+            <a:r>
+              <a:rPr lang="ko-KR" altLang="en-US" dirty="0" smtClean="0"/>
+              <a:t>를 사용하여 마스크를 직접 계산하여 구할 수 도 있음</a:t>
+            </a:r>
+            <a:r>
+              <a:rPr lang="en-US" altLang="ko-KR" dirty="0" smtClean="0"/>
+              <a:t>.</a:t>
+            </a:r>
+          </a:p>
+          <a:p>
+            <a:pPr lvl="1"/>
+            <a:endParaRPr lang="ko-KR" altLang="en-US" dirty="0"/>
+          </a:p>
+        </p:txBody>
+      </p:sp>
+      <p:pic>
+        <p:nvPicPr>
+          <p:cNvPr id="4" name="그림 3"/>
+          <p:cNvPicPr>
+            <a:picLocks noChangeAspect="1"/>
+          </p:cNvPicPr>
+          <p:nvPr/>
+        </p:nvPicPr>
+        <p:blipFill>
+          <a:blip r:embed="rId2"/>
+          <a:stretch>
+            <a:fillRect/>
+          </a:stretch>
+        </p:blipFill>
+        <p:spPr>
+          <a:xfrm>
+            <a:off x="3203849" y="1700808"/>
+            <a:ext cx="4248472" cy="2052703"/>
+          </a:xfrm>
+          <a:prstGeom prst="rect">
+            <a:avLst/>
+          </a:prstGeom>
+        </p:spPr>
+      </p:pic>
+    </p:spTree>
+    <p:extLst>
+      <p:ext uri="{BB962C8B-B14F-4D97-AF65-F5344CB8AC3E}">
+        <p14:creationId xmlns:p14="http://schemas.microsoft.com/office/powerpoint/2010/main" val="2525294792"/>
+      </p:ext>
+    </p:extLst>
+  </p:cSld>
+  <p:clrMapOvr>
+    <a:masterClrMapping/>
+  </p:clrMapOvr>
+</p:sld>
+</file>
+
+<file path=ppt/slides/slide8.xml><?xml version="1.0" encoding="utf-8"?>
+<p:sld xmlns:a="http://schemas.openxmlformats.org/drawingml/2006/main" xmlns:r="http://schemas.openxmlformats.org/officeDocument/2006/relationships" xmlns:p="http://schemas.openxmlformats.org/presentationml/2006/main">
+  <p:cSld>
+    <p:spTree>
+      <p:nvGrpSpPr>
+        <p:cNvPr id="1" name=""/>
+        <p:cNvGrpSpPr/>
+        <p:nvPr/>
+      </p:nvGrpSpPr>
+      <p:grpSpPr>
+        <a:xfrm>
+          <a:off x="0" y="0"/>
+          <a:ext cx="0" cy="0"/>
+          <a:chOff x="0" y="0"/>
+          <a:chExt cx="0" cy="0"/>
+        </a:xfrm>
+      </p:grpSpPr>
+      <p:sp>
+        <p:nvSpPr>
+          <p:cNvPr id="2" name="제목 1"/>
+          <p:cNvSpPr>
+            <a:spLocks noGrp="1"/>
+          </p:cNvSpPr>
+          <p:nvPr>
+            <p:ph type="title"/>
+          </p:nvPr>
+        </p:nvSpPr>
+        <p:spPr>
+          <a:xfrm>
+            <a:off x="467544" y="71414"/>
+            <a:ext cx="8229600" cy="582594"/>
+          </a:xfrm>
+        </p:spPr>
+        <p:txBody>
+          <a:bodyPr/>
+          <a:lstStyle/>
+          <a:p>
+            <a:r>
+              <a:rPr lang="en-US" altLang="ko-KR" dirty="0"/>
+              <a:t>6.2 </a:t>
+            </a:r>
+            <a:r>
+              <a:rPr lang="ko-KR" altLang="en-US" dirty="0"/>
+              <a:t>미분 필터 </a:t>
+            </a:r>
+            <a:r>
+              <a:rPr lang="en-US" altLang="ko-KR" dirty="0"/>
+              <a:t>– </a:t>
+            </a:r>
+            <a:r>
+              <a:rPr lang="ko-KR" altLang="en-US" dirty="0" err="1"/>
+              <a:t>가우시안</a:t>
+            </a:r>
+            <a:r>
+              <a:rPr lang="ko-KR" altLang="en-US" dirty="0"/>
+              <a:t> 마스크</a:t>
+            </a:r>
+          </a:p>
+        </p:txBody>
+      </p:sp>
+      <p:sp>
+        <p:nvSpPr>
+          <p:cNvPr id="3" name="내용 개체 틀 2"/>
+          <p:cNvSpPr>
+            <a:spLocks noGrp="1"/>
+          </p:cNvSpPr>
+          <p:nvPr>
+            <p:ph idx="1"/>
+          </p:nvPr>
+        </p:nvSpPr>
+        <p:spPr/>
+        <p:txBody>
+          <a:bodyPr/>
+          <a:lstStyle/>
+          <a:p>
+            <a:r>
+              <a:rPr lang="en-US" altLang="ko-KR" dirty="0" smtClean="0"/>
+              <a:t>2</a:t>
+            </a:r>
+            <a:r>
+              <a:rPr lang="ko-KR" altLang="en-US" dirty="0" smtClean="0"/>
+              <a:t>차 미분 필터</a:t>
+            </a:r>
+            <a:endParaRPr lang="en-US" altLang="ko-KR" dirty="0" smtClean="0"/>
+          </a:p>
+          <a:p>
+            <a:pPr lvl="1"/>
+            <a:r>
+              <a:rPr lang="en-US" altLang="ko-KR" dirty="0" smtClean="0"/>
+              <a:t>F(</a:t>
+            </a:r>
+            <a:r>
+              <a:rPr lang="en-US" altLang="ko-KR" dirty="0" err="1" smtClean="0"/>
+              <a:t>x,y</a:t>
+            </a:r>
+            <a:r>
+              <a:rPr lang="en-US" altLang="ko-KR" dirty="0" smtClean="0"/>
+              <a:t>) </a:t>
+            </a:r>
+            <a:r>
+              <a:rPr lang="ko-KR" altLang="en-US" dirty="0" smtClean="0"/>
+              <a:t>의 </a:t>
+            </a:r>
+            <a:r>
+              <a:rPr lang="ko-KR" altLang="en-US" dirty="0" err="1" smtClean="0"/>
+              <a:t>라플라시안</a:t>
+            </a:r>
+            <a:r>
+              <a:rPr lang="en-US" altLang="ko-KR" dirty="0" smtClean="0"/>
+              <a:t>2</a:t>
+            </a:r>
+            <a:r>
+              <a:rPr lang="ko-KR" altLang="en-US" dirty="0" smtClean="0"/>
+              <a:t>파 </a:t>
+            </a:r>
+            <a:r>
+              <a:rPr lang="ko-KR" altLang="en-US" dirty="0" err="1" smtClean="0"/>
+              <a:t>편미분의</a:t>
+            </a:r>
+            <a:r>
+              <a:rPr lang="ko-KR" altLang="en-US" dirty="0" smtClean="0"/>
+              <a:t> 합으로 </a:t>
+            </a:r>
+            <a:r>
+              <a:rPr lang="ko-KR" altLang="en-US" dirty="0" err="1" smtClean="0"/>
+              <a:t>엣지</a:t>
+            </a:r>
+            <a:r>
+              <a:rPr lang="ko-KR" altLang="en-US" dirty="0" smtClean="0"/>
+              <a:t> </a:t>
+            </a:r>
+            <a:r>
+              <a:rPr lang="ko-KR" altLang="en-US" dirty="0" err="1" smtClean="0"/>
+              <a:t>화소는</a:t>
+            </a:r>
+            <a:r>
+              <a:rPr lang="ko-KR" altLang="en-US" dirty="0" smtClean="0"/>
+              <a:t> </a:t>
+            </a:r>
+            <a:r>
+              <a:rPr lang="ko-KR" altLang="en-US" dirty="0" err="1" smtClean="0"/>
+              <a:t>필터링</a:t>
+            </a:r>
+            <a:r>
+              <a:rPr lang="ko-KR" altLang="en-US" dirty="0" smtClean="0"/>
+              <a:t> 영상에서 부호가 </a:t>
+            </a:r>
+            <a:r>
+              <a:rPr lang="en-US" altLang="ko-KR" dirty="0" smtClean="0"/>
+              <a:t>(+,-), (-,+)</a:t>
+            </a:r>
+            <a:r>
+              <a:rPr lang="ko-KR" altLang="en-US" dirty="0" smtClean="0"/>
+              <a:t>로 바뀌어 </a:t>
+            </a:r>
+            <a:r>
+              <a:rPr lang="en-US" altLang="ko-KR" dirty="0" smtClean="0"/>
+              <a:t>zero-crossing </a:t>
+            </a:r>
+            <a:r>
+              <a:rPr lang="ko-KR" altLang="en-US" dirty="0" smtClean="0"/>
+              <a:t>이라고 한다</a:t>
+            </a:r>
+            <a:r>
+              <a:rPr lang="en-US" altLang="ko-KR" dirty="0" smtClean="0"/>
+              <a:t>. </a:t>
+            </a:r>
+            <a:endParaRPr lang="ko-KR" altLang="en-US" dirty="0"/>
+          </a:p>
+        </p:txBody>
+      </p:sp>
+      <p:pic>
+        <p:nvPicPr>
+          <p:cNvPr id="4" name="Picture 5"/>
+          <p:cNvPicPr>
+            <a:picLocks noChangeAspect="1" noChangeArrowheads="1"/>
+          </p:cNvPicPr>
+          <p:nvPr/>
+        </p:nvPicPr>
+        <p:blipFill>
+          <a:blip r:embed="rId2">
+            <a:extLst>
+              <a:ext uri="{28A0092B-C50C-407E-A947-70E740481C1C}">
+                <a14:useLocalDpi xmlns:a14="http://schemas.microsoft.com/office/drawing/2010/main" val="0"/>
+              </a:ext>
+            </a:extLst>
+          </a:blip>
+          <a:srcRect/>
+          <a:stretch>
+            <a:fillRect/>
+          </a:stretch>
+        </p:blipFill>
+        <p:spPr bwMode="auto">
+          <a:xfrm>
+            <a:off x="971600" y="1916832"/>
+            <a:ext cx="6077746" cy="551751"/>
+          </a:xfrm>
+          <a:prstGeom prst="rect">
+            <a:avLst/>
+          </a:prstGeom>
+          <a:noFill/>
+          <a:ln>
+            <a:noFill/>
+          </a:ln>
+          <a:extLst>
+            <a:ext uri="{909E8E84-426E-40DD-AFC4-6F175D3DCCD1}">
+              <a14:hiddenFill xmlns:a14="http://schemas.microsoft.com/office/drawing/2010/main">
+                <a:solidFill>
+                  <a:schemeClr val="accent1"/>
+                </a:solidFill>
+              </a14:hiddenFill>
+            </a:ext>
+            <a:ext uri="{91240B29-F687-4F45-9708-019B960494DF}">
+              <a14:hiddenLine xmlns:a14="http://schemas.microsoft.com/office/drawing/2010/main" w="9525">
+                <a:solidFill>
+                  <a:schemeClr val="tx1"/>
+                </a:solidFill>
+                <a:miter lim="800000"/>
+                <a:headEnd/>
+                <a:tailEnd/>
+              </a14:hiddenLine>
+            </a:ext>
+          </a:extLst>
+        </p:spPr>
+      </p:pic>
+      <p:pic>
+        <p:nvPicPr>
+          <p:cNvPr id="5" name="그림 4"/>
+          <p:cNvPicPr>
+            <a:picLocks noChangeAspect="1"/>
+          </p:cNvPicPr>
+          <p:nvPr/>
+        </p:nvPicPr>
+        <p:blipFill>
+          <a:blip r:embed="rId3"/>
+          <a:stretch>
+            <a:fillRect/>
+          </a:stretch>
+        </p:blipFill>
+        <p:spPr>
+          <a:xfrm>
+            <a:off x="1271225" y="2436707"/>
+            <a:ext cx="5499383" cy="1587582"/>
+          </a:xfrm>
+          <a:prstGeom prst="rect">
+            <a:avLst/>
+          </a:prstGeom>
+        </p:spPr>
+      </p:pic>
+    </p:spTree>
+    <p:extLst>
+      <p:ext uri="{BB962C8B-B14F-4D97-AF65-F5344CB8AC3E}">
+        <p14:creationId xmlns:p14="http://schemas.microsoft.com/office/powerpoint/2010/main" val="71887759"/>
+      </p:ext>
+    </p:extLst>
+  </p:cSld>
+  <p:clrMapOvr>
+    <a:masterClrMapping/>
+  </p:clrMapOvr>
+</p:sld>
+</file>
+
+<file path=ppt/slides/slide9.xml><?xml version="1.0" encoding="utf-8"?>
+<p:sld xmlns:a="http://schemas.openxmlformats.org/drawingml/2006/main" xmlns:r="http://schemas.openxmlformats.org/officeDocument/2006/relationships" xmlns:p="http://schemas.openxmlformats.org/presentationml/2006/main">
+  <p:cSld>
+    <p:spTree>
+      <p:nvGrpSpPr>
+        <p:cNvPr id="1" name=""/>
+        <p:cNvGrpSpPr/>
+        <p:nvPr/>
+      </p:nvGrpSpPr>
+      <p:grpSpPr>
+        <a:xfrm>
+          <a:off x="0" y="0"/>
+          <a:ext cx="0" cy="0"/>
+          <a:chOff x="0" y="0"/>
+          <a:chExt cx="0" cy="0"/>
+        </a:xfrm>
+      </p:grpSpPr>
+      <p:sp>
+        <p:nvSpPr>
+          <p:cNvPr id="2" name="제목 1"/>
+          <p:cNvSpPr>
+            <a:spLocks noGrp="1"/>
+          </p:cNvSpPr>
+          <p:nvPr>
+            <p:ph type="title"/>
+          </p:nvPr>
+        </p:nvSpPr>
+        <p:spPr/>
+        <p:txBody>
+          <a:bodyPr/>
+          <a:lstStyle/>
+          <a:p>
+            <a:r>
+              <a:rPr lang="en-US" altLang="ko-KR" dirty="0" smtClean="0"/>
+              <a:t>6.3 </a:t>
+            </a:r>
+            <a:r>
+              <a:rPr lang="ko-KR" altLang="en-US" dirty="0" smtClean="0"/>
+              <a:t>일반적 </a:t>
+            </a:r>
+            <a:r>
+              <a:rPr lang="ko-KR" altLang="en-US" dirty="0"/>
+              <a:t>필터 </a:t>
+            </a:r>
+            <a:r>
+              <a:rPr lang="ko-KR" altLang="en-US" dirty="0" smtClean="0"/>
+              <a:t>마스크</a:t>
+            </a:r>
+            <a:r>
+              <a:rPr lang="en-US" altLang="ko-KR" dirty="0" smtClean="0"/>
+              <a:t>– </a:t>
+            </a:r>
+            <a:r>
+              <a:rPr lang="en-US" altLang="ko-KR" dirty="0" err="1"/>
+              <a:t>LoG</a:t>
+            </a:r>
+            <a:r>
+              <a:rPr lang="en-US" altLang="ko-KR" dirty="0"/>
+              <a:t>(Laplacian of Gaussian</a:t>
+            </a:r>
+            <a:r>
+              <a:rPr lang="en-US" altLang="ko-KR" dirty="0" smtClean="0"/>
+              <a:t>)</a:t>
+            </a:r>
+            <a:endParaRPr lang="ko-KR" altLang="en-US" dirty="0"/>
+          </a:p>
+        </p:txBody>
+      </p:sp>
+      <p:sp>
+        <p:nvSpPr>
+          <p:cNvPr id="3" name="내용 개체 틀 2"/>
+          <p:cNvSpPr>
+            <a:spLocks noGrp="1"/>
+          </p:cNvSpPr>
+          <p:nvPr>
+            <p:ph idx="1"/>
+          </p:nvPr>
+        </p:nvSpPr>
+        <p:spPr/>
+        <p:txBody>
+          <a:bodyPr/>
+          <a:lstStyle/>
+          <a:p>
+            <a:r>
+              <a:rPr lang="en-US" altLang="ko-KR" dirty="0" err="1" smtClean="0"/>
+              <a:t>LoG</a:t>
+            </a:r>
+            <a:endParaRPr lang="en-US" altLang="ko-KR" dirty="0" smtClean="0"/>
+          </a:p>
+          <a:p>
+            <a:pPr lvl="1"/>
+            <a:r>
+              <a:rPr lang="ko-KR" altLang="en-US" dirty="0" err="1" smtClean="0"/>
+              <a:t>라플라시안은</a:t>
+            </a:r>
+            <a:r>
+              <a:rPr lang="ko-KR" altLang="en-US" dirty="0" smtClean="0"/>
+              <a:t> </a:t>
+            </a:r>
+            <a:r>
+              <a:rPr lang="ko-KR" altLang="en-US" dirty="0"/>
+              <a:t>잡음에 민감한 단점</a:t>
+            </a:r>
+            <a:endParaRPr lang="en-US" altLang="ko-KR" dirty="0"/>
+          </a:p>
+          <a:p>
+            <a:pPr lvl="1"/>
+            <a:r>
+              <a:rPr lang="ko-KR" altLang="en-US" dirty="0"/>
+              <a:t>먼저 잡음 </a:t>
+            </a:r>
+            <a:r>
+              <a:rPr lang="ko-KR" altLang="en-US" dirty="0" err="1"/>
+              <a:t>제거후</a:t>
+            </a:r>
+            <a:r>
+              <a:rPr lang="ko-KR" altLang="en-US" dirty="0"/>
+              <a:t> </a:t>
+            </a:r>
+            <a:r>
+              <a:rPr lang="ko-KR" altLang="en-US" dirty="0" err="1"/>
+              <a:t>라플라시안</a:t>
+            </a:r>
+            <a:r>
+              <a:rPr lang="ko-KR" altLang="en-US" dirty="0"/>
+              <a:t> 수행 </a:t>
+            </a:r>
+            <a:r>
+              <a:rPr lang="en-US" altLang="ko-KR" dirty="0">
+                <a:sym typeface="Wingdings" panose="05000000000000000000" pitchFamily="2" charset="2"/>
+              </a:rPr>
+              <a:t> </a:t>
+            </a:r>
+            <a:r>
+              <a:rPr lang="ko-KR" altLang="en-US" dirty="0"/>
+              <a:t>잡음에 강한 에지 검출 가능</a:t>
+            </a:r>
+            <a:endParaRPr lang="en-US" altLang="ko-KR" dirty="0"/>
+          </a:p>
+          <a:p>
+            <a:pPr lvl="1"/>
+            <a:r>
+              <a:rPr lang="ko-KR" altLang="en-US" dirty="0"/>
+              <a:t>다양한 잡음 제거 방법 있음</a:t>
+            </a:r>
+            <a:endParaRPr lang="en-US" altLang="ko-KR" dirty="0"/>
+          </a:p>
+          <a:p>
+            <a:pPr lvl="2"/>
+            <a:r>
+              <a:rPr lang="ko-KR" altLang="en-US" dirty="0"/>
+              <a:t>비선형 </a:t>
+            </a:r>
+            <a:r>
+              <a:rPr lang="ko-KR" altLang="en-US" dirty="0" err="1"/>
+              <a:t>필터링은</a:t>
+            </a:r>
+            <a:r>
+              <a:rPr lang="ko-KR" altLang="en-US" dirty="0"/>
+              <a:t> 계산에서 속도 </a:t>
+            </a:r>
+            <a:r>
+              <a:rPr lang="ko-KR" altLang="en-US" dirty="0" err="1"/>
+              <a:t>저하문제</a:t>
+            </a:r>
+            <a:r>
+              <a:rPr lang="ko-KR" altLang="en-US" dirty="0"/>
+              <a:t> 발생</a:t>
+            </a:r>
+            <a:endParaRPr lang="en-US" altLang="ko-KR" dirty="0"/>
+          </a:p>
+          <a:p>
+            <a:pPr lvl="2"/>
+            <a:r>
+              <a:rPr lang="ko-KR" altLang="en-US" dirty="0"/>
+              <a:t>선형 </a:t>
+            </a:r>
+            <a:r>
+              <a:rPr lang="ko-KR" altLang="en-US" dirty="0" err="1"/>
+              <a:t>필터링으로</a:t>
+            </a:r>
+            <a:r>
+              <a:rPr lang="ko-KR" altLang="en-US" dirty="0"/>
+              <a:t> 단일 마스크 </a:t>
+            </a:r>
+            <a:r>
+              <a:rPr lang="ko-KR" altLang="en-US" dirty="0" smtClean="0"/>
+              <a:t>생성</a:t>
+            </a:r>
+            <a:endParaRPr lang="en-US" altLang="ko-KR" dirty="0" smtClean="0"/>
+          </a:p>
+          <a:p>
+            <a:endParaRPr lang="en-US" altLang="ko-KR" dirty="0"/>
+          </a:p>
+          <a:p>
+            <a:endParaRPr lang="en-US" altLang="ko-KR" dirty="0" smtClean="0"/>
+          </a:p>
+          <a:p>
+            <a:endParaRPr lang="en-US" altLang="ko-KR" dirty="0"/>
+          </a:p>
+          <a:p>
+            <a:endParaRPr lang="en-US" altLang="ko-KR" dirty="0" smtClean="0"/>
+          </a:p>
+          <a:p>
+            <a:endParaRPr lang="en-US" altLang="ko-KR" dirty="0"/>
+          </a:p>
+          <a:p>
+            <a:endParaRPr lang="en-US" altLang="ko-KR" dirty="0" smtClean="0"/>
+          </a:p>
+          <a:p>
+            <a:endParaRPr lang="ko-KR" altLang="en-US" dirty="0"/>
+          </a:p>
+        </p:txBody>
+      </p:sp>
+      <p:pic>
+        <p:nvPicPr>
+          <p:cNvPr id="6" name="Picture 2"/>
+          <p:cNvPicPr>
+            <a:picLocks noChangeAspect="1" noChangeArrowheads="1"/>
+          </p:cNvPicPr>
+          <p:nvPr/>
+        </p:nvPicPr>
+        <p:blipFill>
+          <a:blip r:embed="rId2">
+            <a:extLst>
+              <a:ext uri="{28A0092B-C50C-407E-A947-70E740481C1C}">
+                <a14:useLocalDpi xmlns:a14="http://schemas.microsoft.com/office/drawing/2010/main" val="0"/>
+              </a:ext>
+            </a:extLst>
+          </a:blip>
+          <a:srcRect/>
+          <a:stretch>
+            <a:fillRect/>
+          </a:stretch>
+        </p:blipFill>
+        <p:spPr bwMode="auto">
+          <a:xfrm>
+            <a:off x="971600" y="2708920"/>
+            <a:ext cx="7003721" cy="586358"/>
+          </a:xfrm>
+          <a:prstGeom prst="rect">
+            <a:avLst/>
+          </a:prstGeom>
+          <a:noFill/>
+          <a:ln>
+            <a:noFill/>
+          </a:ln>
+          <a:extLst>
+            <a:ext uri="{909E8E84-426E-40DD-AFC4-6F175D3DCCD1}">
+              <a14:hiddenFill xmlns:a14="http://schemas.microsoft.com/office/drawing/2010/main">
+                <a:solidFill>
+                  <a:schemeClr val="accent1"/>
+                </a:solidFill>
+              </a14:hiddenFill>
+            </a:ext>
+            <a:ext uri="{91240B29-F687-4F45-9708-019B960494DF}">
+              <a14:hiddenLine xmlns:a14="http://schemas.microsoft.com/office/drawing/2010/main" w="9525">
+                <a:solidFill>
+                  <a:schemeClr val="tx1"/>
+                </a:solidFill>
+                <a:miter lim="800000"/>
+                <a:headEnd/>
+                <a:tailEnd/>
+              </a14:hiddenLine>
+            </a:ext>
+          </a:extLst>
+        </p:spPr>
+      </p:pic>
+      <p:pic>
+        <p:nvPicPr>
+          <p:cNvPr id="7" name="Picture 3"/>
+          <p:cNvPicPr>
+            <a:picLocks noChangeAspect="1" noChangeArrowheads="1"/>
+          </p:cNvPicPr>
+          <p:nvPr/>
+        </p:nvPicPr>
+        <p:blipFill>
+          <a:blip r:embed="rId3">
+            <a:extLst>
+              <a:ext uri="{28A0092B-C50C-407E-A947-70E740481C1C}">
+                <a14:useLocalDpi xmlns:a14="http://schemas.microsoft.com/office/drawing/2010/main" val="0"/>
+              </a:ext>
+            </a:extLst>
+          </a:blip>
+          <a:srcRect/>
+          <a:stretch>
+            <a:fillRect/>
+          </a:stretch>
+        </p:blipFill>
+        <p:spPr bwMode="auto">
+          <a:xfrm>
+            <a:off x="2051720" y="3295278"/>
+            <a:ext cx="3962400" cy="781050"/>
+          </a:xfrm>
+          <a:prstGeom prst="rect">
+            <a:avLst/>
+          </a:prstGeom>
+          <a:noFill/>
+          <a:ln>
+            <a:noFill/>
+          </a:ln>
+          <a:extLst>
+            <a:ext uri="{909E8E84-426E-40DD-AFC4-6F175D3DCCD1}">
+              <a14:hiddenFill xmlns:a14="http://schemas.microsoft.com/office/drawing/2010/main">
+                <a:solidFill>
+                  <a:schemeClr val="accent1"/>
+                </a:solidFill>
+              </a14:hiddenFill>
+            </a:ext>
+            <a:ext uri="{91240B29-F687-4F45-9708-019B960494DF}">
+              <a14:hiddenLine xmlns:a14="http://schemas.microsoft.com/office/drawing/2010/main" w="9525">
+                <a:solidFill>
+                  <a:schemeClr val="tx1"/>
+                </a:solidFill>
+                <a:miter lim="800000"/>
+                <a:headEnd/>
+                <a:tailEnd/>
+              </a14:hiddenLine>
+            </a:ext>
+          </a:extLst>
+        </p:spPr>
+      </p:pic>
+    </p:spTree>
+    <p:extLst>
+      <p:ext uri="{BB962C8B-B14F-4D97-AF65-F5344CB8AC3E}">
+        <p14:creationId xmlns:p14="http://schemas.microsoft.com/office/powerpoint/2010/main" val="3622184995"/>
       </p:ext>
     </p:extLst>
   </p:cSld>
